--- a/git.pptx
+++ b/git.pptx
@@ -6116,9 +6116,16 @@
             <p:ph idx="1"/>
           </p:nvPr>
         </p:nvSpPr>
-        <p:spPr/>
-        <p:txBody>
-          <a:bodyPr/>
+        <p:spPr>
+          <a:xfrm>
+            <a:off x="677334" y="2160589"/>
+            <a:ext cx="8596668" cy="4349393"/>
+          </a:xfrm>
+        </p:spPr>
+        <p:txBody>
+          <a:bodyPr>
+            <a:normAutofit/>
+          </a:bodyPr>
           <a:lstStyle/>
           <a:p>
             <a:r>
@@ -6243,7 +6250,25 @@
             </a:r>
             <a:r>
               <a:rPr lang="en-US" altLang="zh-TW" dirty="0" smtClean="0"/>
-              <a:t> pull</a:t>
+              <a:t> </a:t>
+            </a:r>
+            <a:r>
+              <a:rPr lang="en-US" altLang="zh-TW" dirty="0" smtClean="0"/>
+              <a:t>pull</a:t>
+            </a:r>
+          </a:p>
+          <a:p>
+            <a:r>
+              <a:rPr lang="en-US" altLang="zh-TW" dirty="0" err="1"/>
+              <a:t>git</a:t>
+            </a:r>
+            <a:r>
+              <a:rPr lang="en-US" altLang="zh-TW" dirty="0"/>
+              <a:t> clone git://github.com/schacon/grit.git </a:t>
+            </a:r>
+            <a:r>
+              <a:rPr lang="en-US" altLang="zh-TW" dirty="0" err="1"/>
+              <a:t>mygrit</a:t>
             </a:r>
             <a:endParaRPr lang="zh-TW" altLang="en-US" dirty="0"/>
           </a:p>

--- a/git.pptx
+++ b/git.pptx
@@ -7,7 +7,8 @@
   <p:sldIdLst>
     <p:sldId id="256" r:id="rId2"/>
     <p:sldId id="257" r:id="rId3"/>
-    <p:sldId id="258" r:id="rId4"/>
+    <p:sldId id="259" r:id="rId4"/>
+    <p:sldId id="258" r:id="rId5"/>
   </p:sldIdLst>
   <p:sldSz cx="12192000" cy="6858000"/>
   <p:notesSz cx="6858000" cy="9144000"/>
@@ -692,7 +693,7 @@
           </a:lstStyle>
           <a:p>
             <a:r>
-              <a:rPr lang="zh-TW" altLang="en-US" smtClean="0"/>
+              <a:rPr lang="zh-TW" altLang="en-US"/>
               <a:t>按一下以編輯母片標題樣式</a:t>
             </a:r>
             <a:endParaRPr lang="en-US" dirty="0"/>
@@ -812,7 +813,7 @@
           </a:lstStyle>
           <a:p>
             <a:r>
-              <a:rPr lang="zh-TW" altLang="en-US" smtClean="0"/>
+              <a:rPr lang="zh-TW" altLang="en-US"/>
               <a:t>按一下以編輯母片副標題樣式</a:t>
             </a:r>
             <a:endParaRPr lang="en-US" dirty="0"/>
@@ -836,7 +837,7 @@
           <a:p>
             <a:fld id="{545D92F8-1C2D-43FC-B81E-3A9AD82E3EDF}" type="datetimeFigureOut">
               <a:rPr lang="zh-TW" altLang="en-US" smtClean="0"/>
-              <a:t>2020/6/6</a:t>
+              <a:t>2020/6/9</a:t>
             </a:fld>
             <a:endParaRPr lang="zh-TW" altLang="en-US"/>
           </a:p>
@@ -941,7 +942,7 @@
           </a:lstStyle>
           <a:p>
             <a:r>
-              <a:rPr lang="zh-TW" altLang="en-US" smtClean="0"/>
+              <a:rPr lang="zh-TW" altLang="en-US"/>
               <a:t>按一下以編輯母片標題樣式</a:t>
             </a:r>
             <a:endParaRPr lang="en-US" dirty="0"/>
@@ -1064,7 +1065,7 @@
           <a:p>
             <a:pPr lvl="0"/>
             <a:r>
-              <a:rPr lang="zh-TW" altLang="en-US" smtClean="0"/>
+              <a:rPr lang="zh-TW" altLang="en-US"/>
               <a:t>編輯母片文字樣式</a:t>
             </a:r>
           </a:p>
@@ -1087,7 +1088,7 @@
           <a:p>
             <a:fld id="{545D92F8-1C2D-43FC-B81E-3A9AD82E3EDF}" type="datetimeFigureOut">
               <a:rPr lang="zh-TW" altLang="en-US" smtClean="0"/>
-              <a:t>2020/6/6</a:t>
+              <a:t>2020/6/9</a:t>
             </a:fld>
             <a:endParaRPr lang="zh-TW" altLang="en-US"/>
           </a:p>
@@ -1192,7 +1193,7 @@
           </a:lstStyle>
           <a:p>
             <a:r>
-              <a:rPr lang="zh-TW" altLang="en-US" smtClean="0"/>
+              <a:rPr lang="zh-TW" altLang="en-US"/>
               <a:t>按一下以編輯母片標題樣式</a:t>
             </a:r>
             <a:endParaRPr lang="en-US" dirty="0"/>
@@ -1256,7 +1257,7 @@
           <a:p>
             <a:pPr lvl="0"/>
             <a:r>
-              <a:rPr lang="zh-TW" altLang="en-US" smtClean="0"/>
+              <a:rPr lang="zh-TW" altLang="en-US"/>
               <a:t>編輯母片文字樣式</a:t>
             </a:r>
           </a:p>
@@ -1378,7 +1379,7 @@
           <a:p>
             <a:pPr lvl="0"/>
             <a:r>
-              <a:rPr lang="zh-TW" altLang="en-US" smtClean="0"/>
+              <a:rPr lang="zh-TW" altLang="en-US"/>
               <a:t>編輯母片文字樣式</a:t>
             </a:r>
           </a:p>
@@ -1401,7 +1402,7 @@
           <a:p>
             <a:fld id="{545D92F8-1C2D-43FC-B81E-3A9AD82E3EDF}" type="datetimeFigureOut">
               <a:rPr lang="zh-TW" altLang="en-US" smtClean="0"/>
-              <a:t>2020/6/6</a:t>
+              <a:t>2020/6/9</a:t>
             </a:fld>
             <a:endParaRPr lang="zh-TW" altLang="en-US"/>
           </a:p>
@@ -1596,7 +1597,7 @@
           </a:lstStyle>
           <a:p>
             <a:r>
-              <a:rPr lang="zh-TW" altLang="en-US" smtClean="0"/>
+              <a:rPr lang="zh-TW" altLang="en-US"/>
               <a:t>按一下以編輯母片標題樣式</a:t>
             </a:r>
             <a:endParaRPr lang="en-US" dirty="0"/>
@@ -1719,7 +1720,7 @@
           <a:p>
             <a:pPr lvl="0"/>
             <a:r>
-              <a:rPr lang="zh-TW" altLang="en-US" smtClean="0"/>
+              <a:rPr lang="zh-TW" altLang="en-US"/>
               <a:t>編輯母片文字樣式</a:t>
             </a:r>
           </a:p>
@@ -1742,7 +1743,7 @@
           <a:p>
             <a:fld id="{545D92F8-1C2D-43FC-B81E-3A9AD82E3EDF}" type="datetimeFigureOut">
               <a:rPr lang="zh-TW" altLang="en-US" smtClean="0"/>
-              <a:t>2020/6/6</a:t>
+              <a:t>2020/6/9</a:t>
             </a:fld>
             <a:endParaRPr lang="zh-TW" altLang="en-US"/>
           </a:p>
@@ -1847,7 +1848,7 @@
           </a:lstStyle>
           <a:p>
             <a:r>
-              <a:rPr lang="zh-TW" altLang="en-US" smtClean="0"/>
+              <a:rPr lang="zh-TW" altLang="en-US"/>
               <a:t>按一下以編輯母片標題樣式</a:t>
             </a:r>
             <a:endParaRPr lang="en-US" dirty="0"/>
@@ -1911,7 +1912,7 @@
           <a:p>
             <a:pPr lvl="0"/>
             <a:r>
-              <a:rPr lang="zh-TW" altLang="en-US" smtClean="0"/>
+              <a:rPr lang="zh-TW" altLang="en-US"/>
               <a:t>編輯母片文字樣式</a:t>
             </a:r>
           </a:p>
@@ -2033,7 +2034,7 @@
           <a:p>
             <a:pPr lvl="0"/>
             <a:r>
-              <a:rPr lang="zh-TW" altLang="en-US" smtClean="0"/>
+              <a:rPr lang="zh-TW" altLang="en-US"/>
               <a:t>編輯母片文字樣式</a:t>
             </a:r>
           </a:p>
@@ -2056,7 +2057,7 @@
           <a:p>
             <a:fld id="{545D92F8-1C2D-43FC-B81E-3A9AD82E3EDF}" type="datetimeFigureOut">
               <a:rPr lang="zh-TW" altLang="en-US" smtClean="0"/>
-              <a:t>2020/6/6</a:t>
+              <a:t>2020/6/9</a:t>
             </a:fld>
             <a:endParaRPr lang="zh-TW" altLang="en-US"/>
           </a:p>
@@ -2243,7 +2244,7 @@
           </a:lstStyle>
           <a:p>
             <a:r>
-              <a:rPr lang="zh-TW" altLang="en-US" smtClean="0"/>
+              <a:rPr lang="zh-TW" altLang="en-US"/>
               <a:t>按一下以編輯母片標題樣式</a:t>
             </a:r>
             <a:endParaRPr lang="en-US" dirty="0"/>
@@ -2304,7 +2305,7 @@
           <a:p>
             <a:pPr lvl="0"/>
             <a:r>
-              <a:rPr lang="zh-TW" altLang="en-US" smtClean="0"/>
+              <a:rPr lang="zh-TW" altLang="en-US"/>
               <a:t>編輯母片文字樣式</a:t>
             </a:r>
           </a:p>
@@ -2426,7 +2427,7 @@
           <a:p>
             <a:pPr lvl="0"/>
             <a:r>
-              <a:rPr lang="zh-TW" altLang="en-US" smtClean="0"/>
+              <a:rPr lang="zh-TW" altLang="en-US"/>
               <a:t>編輯母片文字樣式</a:t>
             </a:r>
           </a:p>
@@ -2449,7 +2450,7 @@
           <a:p>
             <a:fld id="{545D92F8-1C2D-43FC-B81E-3A9AD82E3EDF}" type="datetimeFigureOut">
               <a:rPr lang="zh-TW" altLang="en-US" smtClean="0"/>
-              <a:t>2020/6/6</a:t>
+              <a:t>2020/6/9</a:t>
             </a:fld>
             <a:endParaRPr lang="zh-TW" altLang="en-US"/>
           </a:p>
@@ -2543,7 +2544,7 @@
           <a:lstStyle/>
           <a:p>
             <a:r>
-              <a:rPr lang="zh-TW" altLang="en-US" smtClean="0"/>
+              <a:rPr lang="zh-TW" altLang="en-US"/>
               <a:t>按一下以編輯母片標題樣式</a:t>
             </a:r>
             <a:endParaRPr lang="en-US" dirty="0"/>
@@ -2567,35 +2568,35 @@
           <a:p>
             <a:pPr lvl="0"/>
             <a:r>
-              <a:rPr lang="zh-TW" altLang="en-US" smtClean="0"/>
+              <a:rPr lang="zh-TW" altLang="en-US"/>
               <a:t>編輯母片文字樣式</a:t>
             </a:r>
           </a:p>
           <a:p>
             <a:pPr lvl="1"/>
             <a:r>
-              <a:rPr lang="zh-TW" altLang="en-US" smtClean="0"/>
+              <a:rPr lang="zh-TW" altLang="en-US"/>
               <a:t>第二層</a:t>
             </a:r>
           </a:p>
           <a:p>
             <a:pPr lvl="2"/>
             <a:r>
-              <a:rPr lang="zh-TW" altLang="en-US" smtClean="0"/>
+              <a:rPr lang="zh-TW" altLang="en-US"/>
               <a:t>第三層</a:t>
             </a:r>
           </a:p>
           <a:p>
             <a:pPr lvl="3"/>
             <a:r>
-              <a:rPr lang="zh-TW" altLang="en-US" smtClean="0"/>
+              <a:rPr lang="zh-TW" altLang="en-US"/>
               <a:t>第四層</a:t>
             </a:r>
           </a:p>
           <a:p>
             <a:pPr lvl="4"/>
             <a:r>
-              <a:rPr lang="zh-TW" altLang="en-US" smtClean="0"/>
+              <a:rPr lang="zh-TW" altLang="en-US"/>
               <a:t>第五層</a:t>
             </a:r>
             <a:endParaRPr lang="en-US" dirty="0"/>
@@ -2619,7 +2620,7 @@
           <a:p>
             <a:fld id="{545D92F8-1C2D-43FC-B81E-3A9AD82E3EDF}" type="datetimeFigureOut">
               <a:rPr lang="zh-TW" altLang="en-US" smtClean="0"/>
-              <a:t>2020/6/6</a:t>
+              <a:t>2020/6/9</a:t>
             </a:fld>
             <a:endParaRPr lang="zh-TW" altLang="en-US"/>
           </a:p>
@@ -2718,7 +2719,7 @@
           <a:lstStyle/>
           <a:p>
             <a:r>
-              <a:rPr lang="zh-TW" altLang="en-US" smtClean="0"/>
+              <a:rPr lang="zh-TW" altLang="en-US"/>
               <a:t>按一下以編輯母片標題樣式</a:t>
             </a:r>
             <a:endParaRPr lang="en-US" dirty="0"/>
@@ -2747,35 +2748,35 @@
           <a:p>
             <a:pPr lvl="0"/>
             <a:r>
-              <a:rPr lang="zh-TW" altLang="en-US" smtClean="0"/>
+              <a:rPr lang="zh-TW" altLang="en-US"/>
               <a:t>編輯母片文字樣式</a:t>
             </a:r>
           </a:p>
           <a:p>
             <a:pPr lvl="1"/>
             <a:r>
-              <a:rPr lang="zh-TW" altLang="en-US" smtClean="0"/>
+              <a:rPr lang="zh-TW" altLang="en-US"/>
               <a:t>第二層</a:t>
             </a:r>
           </a:p>
           <a:p>
             <a:pPr lvl="2"/>
             <a:r>
-              <a:rPr lang="zh-TW" altLang="en-US" smtClean="0"/>
+              <a:rPr lang="zh-TW" altLang="en-US"/>
               <a:t>第三層</a:t>
             </a:r>
           </a:p>
           <a:p>
             <a:pPr lvl="3"/>
             <a:r>
-              <a:rPr lang="zh-TW" altLang="en-US" smtClean="0"/>
+              <a:rPr lang="zh-TW" altLang="en-US"/>
               <a:t>第四層</a:t>
             </a:r>
           </a:p>
           <a:p>
             <a:pPr lvl="4"/>
             <a:r>
-              <a:rPr lang="zh-TW" altLang="en-US" smtClean="0"/>
+              <a:rPr lang="zh-TW" altLang="en-US"/>
               <a:t>第五層</a:t>
             </a:r>
             <a:endParaRPr lang="en-US" dirty="0"/>
@@ -2799,7 +2800,7 @@
           <a:p>
             <a:fld id="{545D92F8-1C2D-43FC-B81E-3A9AD82E3EDF}" type="datetimeFigureOut">
               <a:rPr lang="zh-TW" altLang="en-US" smtClean="0"/>
-              <a:t>2020/6/6</a:t>
+              <a:t>2020/6/9</a:t>
             </a:fld>
             <a:endParaRPr lang="zh-TW" altLang="en-US"/>
           </a:p>
@@ -2899,7 +2900,7 @@
           </a:lstStyle>
           <a:p>
             <a:r>
-              <a:rPr lang="zh-TW" altLang="en-US" smtClean="0"/>
+              <a:rPr lang="zh-TW" altLang="en-US"/>
               <a:t>按一下以編輯母片標題樣式</a:t>
             </a:r>
             <a:endParaRPr lang="en-US" dirty="0"/>
@@ -2923,35 +2924,35 @@
           <a:p>
             <a:pPr lvl="0"/>
             <a:r>
-              <a:rPr lang="zh-TW" altLang="en-US" smtClean="0"/>
+              <a:rPr lang="zh-TW" altLang="en-US"/>
               <a:t>編輯母片文字樣式</a:t>
             </a:r>
           </a:p>
           <a:p>
             <a:pPr lvl="1"/>
             <a:r>
-              <a:rPr lang="zh-TW" altLang="en-US" smtClean="0"/>
+              <a:rPr lang="zh-TW" altLang="en-US"/>
               <a:t>第二層</a:t>
             </a:r>
           </a:p>
           <a:p>
             <a:pPr lvl="2"/>
             <a:r>
-              <a:rPr lang="zh-TW" altLang="en-US" smtClean="0"/>
+              <a:rPr lang="zh-TW" altLang="en-US"/>
               <a:t>第三層</a:t>
             </a:r>
           </a:p>
           <a:p>
             <a:pPr lvl="3"/>
             <a:r>
-              <a:rPr lang="zh-TW" altLang="en-US" smtClean="0"/>
+              <a:rPr lang="zh-TW" altLang="en-US"/>
               <a:t>第四層</a:t>
             </a:r>
           </a:p>
           <a:p>
             <a:pPr lvl="4"/>
             <a:r>
-              <a:rPr lang="zh-TW" altLang="en-US" smtClean="0"/>
+              <a:rPr lang="zh-TW" altLang="en-US"/>
               <a:t>第五層</a:t>
             </a:r>
             <a:endParaRPr lang="en-US" dirty="0"/>
@@ -2975,7 +2976,7 @@
           <a:p>
             <a:fld id="{545D92F8-1C2D-43FC-B81E-3A9AD82E3EDF}" type="datetimeFigureOut">
               <a:rPr lang="zh-TW" altLang="en-US" smtClean="0"/>
-              <a:t>2020/6/6</a:t>
+              <a:t>2020/6/9</a:t>
             </a:fld>
             <a:endParaRPr lang="zh-TW" altLang="en-US"/>
           </a:p>
@@ -3078,7 +3079,7 @@
           </a:lstStyle>
           <a:p>
             <a:r>
-              <a:rPr lang="zh-TW" altLang="en-US" smtClean="0"/>
+              <a:rPr lang="zh-TW" altLang="en-US"/>
               <a:t>按一下以編輯母片標題樣式</a:t>
             </a:r>
             <a:endParaRPr lang="en-US" dirty="0"/>
@@ -3199,7 +3200,7 @@
           <a:p>
             <a:pPr lvl="0"/>
             <a:r>
-              <a:rPr lang="zh-TW" altLang="en-US" smtClean="0"/>
+              <a:rPr lang="zh-TW" altLang="en-US"/>
               <a:t>編輯母片文字樣式</a:t>
             </a:r>
           </a:p>
@@ -3222,7 +3223,7 @@
           <a:p>
             <a:fld id="{545D92F8-1C2D-43FC-B81E-3A9AD82E3EDF}" type="datetimeFigureOut">
               <a:rPr lang="zh-TW" altLang="en-US" smtClean="0"/>
-              <a:t>2020/6/6</a:t>
+              <a:t>2020/6/9</a:t>
             </a:fld>
             <a:endParaRPr lang="zh-TW" altLang="en-US"/>
           </a:p>
@@ -3316,7 +3317,7 @@
           <a:lstStyle/>
           <a:p>
             <a:r>
-              <a:rPr lang="zh-TW" altLang="en-US" smtClean="0"/>
+              <a:rPr lang="zh-TW" altLang="en-US"/>
               <a:t>按一下以編輯母片標題樣式</a:t>
             </a:r>
             <a:endParaRPr lang="en-US" dirty="0"/>
@@ -3345,35 +3346,35 @@
           <a:p>
             <a:pPr lvl="0"/>
             <a:r>
-              <a:rPr lang="zh-TW" altLang="en-US" smtClean="0"/>
+              <a:rPr lang="zh-TW" altLang="en-US"/>
               <a:t>編輯母片文字樣式</a:t>
             </a:r>
           </a:p>
           <a:p>
             <a:pPr lvl="1"/>
             <a:r>
-              <a:rPr lang="zh-TW" altLang="en-US" smtClean="0"/>
+              <a:rPr lang="zh-TW" altLang="en-US"/>
               <a:t>第二層</a:t>
             </a:r>
           </a:p>
           <a:p>
             <a:pPr lvl="2"/>
             <a:r>
-              <a:rPr lang="zh-TW" altLang="en-US" smtClean="0"/>
+              <a:rPr lang="zh-TW" altLang="en-US"/>
               <a:t>第三層</a:t>
             </a:r>
           </a:p>
           <a:p>
             <a:pPr lvl="3"/>
             <a:r>
-              <a:rPr lang="zh-TW" altLang="en-US" smtClean="0"/>
+              <a:rPr lang="zh-TW" altLang="en-US"/>
               <a:t>第四層</a:t>
             </a:r>
           </a:p>
           <a:p>
             <a:pPr lvl="4"/>
             <a:r>
-              <a:rPr lang="zh-TW" altLang="en-US" smtClean="0"/>
+              <a:rPr lang="zh-TW" altLang="en-US"/>
               <a:t>第五層</a:t>
             </a:r>
             <a:endParaRPr lang="en-US" dirty="0"/>
@@ -3402,35 +3403,35 @@
           <a:p>
             <a:pPr lvl="0"/>
             <a:r>
-              <a:rPr lang="zh-TW" altLang="en-US" smtClean="0"/>
+              <a:rPr lang="zh-TW" altLang="en-US"/>
               <a:t>編輯母片文字樣式</a:t>
             </a:r>
           </a:p>
           <a:p>
             <a:pPr lvl="1"/>
             <a:r>
-              <a:rPr lang="zh-TW" altLang="en-US" smtClean="0"/>
+              <a:rPr lang="zh-TW" altLang="en-US"/>
               <a:t>第二層</a:t>
             </a:r>
           </a:p>
           <a:p>
             <a:pPr lvl="2"/>
             <a:r>
-              <a:rPr lang="zh-TW" altLang="en-US" smtClean="0"/>
+              <a:rPr lang="zh-TW" altLang="en-US"/>
               <a:t>第三層</a:t>
             </a:r>
           </a:p>
           <a:p>
             <a:pPr lvl="3"/>
             <a:r>
-              <a:rPr lang="zh-TW" altLang="en-US" smtClean="0"/>
+              <a:rPr lang="zh-TW" altLang="en-US"/>
               <a:t>第四層</a:t>
             </a:r>
           </a:p>
           <a:p>
             <a:pPr lvl="4"/>
             <a:r>
-              <a:rPr lang="zh-TW" altLang="en-US" smtClean="0"/>
+              <a:rPr lang="zh-TW" altLang="en-US"/>
               <a:t>第五層</a:t>
             </a:r>
             <a:endParaRPr lang="en-US" dirty="0"/>
@@ -3454,7 +3455,7 @@
           <a:p>
             <a:fld id="{545D92F8-1C2D-43FC-B81E-3A9AD82E3EDF}" type="datetimeFigureOut">
               <a:rPr lang="zh-TW" altLang="en-US" smtClean="0"/>
-              <a:t>2020/6/6</a:t>
+              <a:t>2020/6/9</a:t>
             </a:fld>
             <a:endParaRPr lang="zh-TW" altLang="en-US"/>
           </a:p>
@@ -3552,7 +3553,7 @@
           </a:lstStyle>
           <a:p>
             <a:r>
-              <a:rPr lang="zh-TW" altLang="en-US" smtClean="0"/>
+              <a:rPr lang="zh-TW" altLang="en-US"/>
               <a:t>按一下以編輯母片標題樣式</a:t>
             </a:r>
             <a:endParaRPr lang="en-US" dirty="0"/>
@@ -3620,7 +3621,7 @@
           <a:p>
             <a:pPr lvl="0"/>
             <a:r>
-              <a:rPr lang="zh-TW" altLang="en-US" smtClean="0"/>
+              <a:rPr lang="zh-TW" altLang="en-US"/>
               <a:t>編輯母片文字樣式</a:t>
             </a:r>
           </a:p>
@@ -3650,35 +3651,35 @@
           <a:p>
             <a:pPr lvl="0"/>
             <a:r>
-              <a:rPr lang="zh-TW" altLang="en-US" smtClean="0"/>
+              <a:rPr lang="zh-TW" altLang="en-US"/>
               <a:t>編輯母片文字樣式</a:t>
             </a:r>
           </a:p>
           <a:p>
             <a:pPr lvl="1"/>
             <a:r>
-              <a:rPr lang="zh-TW" altLang="en-US" smtClean="0"/>
+              <a:rPr lang="zh-TW" altLang="en-US"/>
               <a:t>第二層</a:t>
             </a:r>
           </a:p>
           <a:p>
             <a:pPr lvl="2"/>
             <a:r>
-              <a:rPr lang="zh-TW" altLang="en-US" smtClean="0"/>
+              <a:rPr lang="zh-TW" altLang="en-US"/>
               <a:t>第三層</a:t>
             </a:r>
           </a:p>
           <a:p>
             <a:pPr lvl="3"/>
             <a:r>
-              <a:rPr lang="zh-TW" altLang="en-US" smtClean="0"/>
+              <a:rPr lang="zh-TW" altLang="en-US"/>
               <a:t>第四層</a:t>
             </a:r>
           </a:p>
           <a:p>
             <a:pPr lvl="4"/>
             <a:r>
-              <a:rPr lang="zh-TW" altLang="en-US" smtClean="0"/>
+              <a:rPr lang="zh-TW" altLang="en-US"/>
               <a:t>第五層</a:t>
             </a:r>
             <a:endParaRPr lang="en-US" dirty="0"/>
@@ -3746,7 +3747,7 @@
           <a:p>
             <a:pPr lvl="0"/>
             <a:r>
-              <a:rPr lang="zh-TW" altLang="en-US" smtClean="0"/>
+              <a:rPr lang="zh-TW" altLang="en-US"/>
               <a:t>編輯母片文字樣式</a:t>
             </a:r>
           </a:p>
@@ -3776,35 +3777,35 @@
           <a:p>
             <a:pPr lvl="0"/>
             <a:r>
-              <a:rPr lang="zh-TW" altLang="en-US" smtClean="0"/>
+              <a:rPr lang="zh-TW" altLang="en-US"/>
               <a:t>編輯母片文字樣式</a:t>
             </a:r>
           </a:p>
           <a:p>
             <a:pPr lvl="1"/>
             <a:r>
-              <a:rPr lang="zh-TW" altLang="en-US" smtClean="0"/>
+              <a:rPr lang="zh-TW" altLang="en-US"/>
               <a:t>第二層</a:t>
             </a:r>
           </a:p>
           <a:p>
             <a:pPr lvl="2"/>
             <a:r>
-              <a:rPr lang="zh-TW" altLang="en-US" smtClean="0"/>
+              <a:rPr lang="zh-TW" altLang="en-US"/>
               <a:t>第三層</a:t>
             </a:r>
           </a:p>
           <a:p>
             <a:pPr lvl="3"/>
             <a:r>
-              <a:rPr lang="zh-TW" altLang="en-US" smtClean="0"/>
+              <a:rPr lang="zh-TW" altLang="en-US"/>
               <a:t>第四層</a:t>
             </a:r>
           </a:p>
           <a:p>
             <a:pPr lvl="4"/>
             <a:r>
-              <a:rPr lang="zh-TW" altLang="en-US" smtClean="0"/>
+              <a:rPr lang="zh-TW" altLang="en-US"/>
               <a:t>第五層</a:t>
             </a:r>
             <a:endParaRPr lang="en-US" dirty="0"/>
@@ -3828,7 +3829,7 @@
           <a:p>
             <a:fld id="{545D92F8-1C2D-43FC-B81E-3A9AD82E3EDF}" type="datetimeFigureOut">
               <a:rPr lang="zh-TW" altLang="en-US" smtClean="0"/>
-              <a:t>2020/6/6</a:t>
+              <a:t>2020/6/9</a:t>
             </a:fld>
             <a:endParaRPr lang="zh-TW" altLang="en-US"/>
           </a:p>
@@ -3927,7 +3928,7 @@
           <a:lstStyle/>
           <a:p>
             <a:r>
-              <a:rPr lang="zh-TW" altLang="en-US" smtClean="0"/>
+              <a:rPr lang="zh-TW" altLang="en-US"/>
               <a:t>按一下以編輯母片標題樣式</a:t>
             </a:r>
             <a:endParaRPr lang="en-US" dirty="0"/>
@@ -3951,7 +3952,7 @@
           <a:p>
             <a:fld id="{545D92F8-1C2D-43FC-B81E-3A9AD82E3EDF}" type="datetimeFigureOut">
               <a:rPr lang="zh-TW" altLang="en-US" smtClean="0"/>
-              <a:t>2020/6/6</a:t>
+              <a:t>2020/6/9</a:t>
             </a:fld>
             <a:endParaRPr lang="zh-TW" altLang="en-US"/>
           </a:p>
@@ -4046,7 +4047,7 @@
           <a:p>
             <a:fld id="{545D92F8-1C2D-43FC-B81E-3A9AD82E3EDF}" type="datetimeFigureOut">
               <a:rPr lang="zh-TW" altLang="en-US" smtClean="0"/>
-              <a:t>2020/6/6</a:t>
+              <a:t>2020/6/9</a:t>
             </a:fld>
             <a:endParaRPr lang="zh-TW" altLang="en-US"/>
           </a:p>
@@ -4151,7 +4152,7 @@
           </a:lstStyle>
           <a:p>
             <a:r>
-              <a:rPr lang="zh-TW" altLang="en-US" smtClean="0"/>
+              <a:rPr lang="zh-TW" altLang="en-US"/>
               <a:t>按一下以編輯母片標題樣式</a:t>
             </a:r>
             <a:endParaRPr lang="en-US" dirty="0"/>
@@ -4182,35 +4183,35 @@
           <a:p>
             <a:pPr lvl="0"/>
             <a:r>
-              <a:rPr lang="zh-TW" altLang="en-US" smtClean="0"/>
+              <a:rPr lang="zh-TW" altLang="en-US"/>
               <a:t>編輯母片文字樣式</a:t>
             </a:r>
           </a:p>
           <a:p>
             <a:pPr lvl="1"/>
             <a:r>
-              <a:rPr lang="zh-TW" altLang="en-US" smtClean="0"/>
+              <a:rPr lang="zh-TW" altLang="en-US"/>
               <a:t>第二層</a:t>
             </a:r>
           </a:p>
           <a:p>
             <a:pPr lvl="2"/>
             <a:r>
-              <a:rPr lang="zh-TW" altLang="en-US" smtClean="0"/>
+              <a:rPr lang="zh-TW" altLang="en-US"/>
               <a:t>第三層</a:t>
             </a:r>
           </a:p>
           <a:p>
             <a:pPr lvl="3"/>
             <a:r>
-              <a:rPr lang="zh-TW" altLang="en-US" smtClean="0"/>
+              <a:rPr lang="zh-TW" altLang="en-US"/>
               <a:t>第四層</a:t>
             </a:r>
           </a:p>
           <a:p>
             <a:pPr lvl="4"/>
             <a:r>
-              <a:rPr lang="zh-TW" altLang="en-US" smtClean="0"/>
+              <a:rPr lang="zh-TW" altLang="en-US"/>
               <a:t>第五層</a:t>
             </a:r>
             <a:endParaRPr lang="en-US" dirty="0"/>
@@ -4278,7 +4279,7 @@
           <a:p>
             <a:pPr lvl="0"/>
             <a:r>
-              <a:rPr lang="zh-TW" altLang="en-US" smtClean="0"/>
+              <a:rPr lang="zh-TW" altLang="en-US"/>
               <a:t>編輯母片文字樣式</a:t>
             </a:r>
           </a:p>
@@ -4301,7 +4302,7 @@
           <a:p>
             <a:fld id="{545D92F8-1C2D-43FC-B81E-3A9AD82E3EDF}" type="datetimeFigureOut">
               <a:rPr lang="zh-TW" altLang="en-US" smtClean="0"/>
-              <a:t>2020/6/6</a:t>
+              <a:t>2020/6/9</a:t>
             </a:fld>
             <a:endParaRPr lang="zh-TW" altLang="en-US"/>
           </a:p>
@@ -4406,7 +4407,7 @@
           </a:lstStyle>
           <a:p>
             <a:r>
-              <a:rPr lang="zh-TW" altLang="en-US" smtClean="0"/>
+              <a:rPr lang="zh-TW" altLang="en-US"/>
               <a:t>按一下以編輯母片標題樣式</a:t>
             </a:r>
             <a:endParaRPr lang="en-US" dirty="0"/>
@@ -4473,7 +4474,7 @@
           </a:lstStyle>
           <a:p>
             <a:r>
-              <a:rPr lang="zh-TW" altLang="en-US" smtClean="0"/>
+              <a:rPr lang="zh-TW" altLang="en-US"/>
               <a:t>按一下圖示以新增圖片</a:t>
             </a:r>
             <a:endParaRPr lang="en-US" dirty="0"/>
@@ -4541,7 +4542,7 @@
           <a:p>
             <a:pPr lvl="0"/>
             <a:r>
-              <a:rPr lang="zh-TW" altLang="en-US" smtClean="0"/>
+              <a:rPr lang="zh-TW" altLang="en-US"/>
               <a:t>編輯母片文字樣式</a:t>
             </a:r>
           </a:p>
@@ -4564,7 +4565,7 @@
           <a:p>
             <a:fld id="{545D92F8-1C2D-43FC-B81E-3A9AD82E3EDF}" type="datetimeFigureOut">
               <a:rPr lang="zh-TW" altLang="en-US" smtClean="0"/>
-              <a:t>2020/6/6</a:t>
+              <a:t>2020/6/9</a:t>
             </a:fld>
             <a:endParaRPr lang="zh-TW" altLang="en-US"/>
           </a:p>
@@ -5203,7 +5204,7 @@
           <a:lstStyle/>
           <a:p>
             <a:r>
-              <a:rPr lang="zh-TW" altLang="en-US" smtClean="0"/>
+              <a:rPr lang="zh-TW" altLang="en-US"/>
               <a:t>按一下以編輯母片標題樣式</a:t>
             </a:r>
             <a:endParaRPr lang="en-US" dirty="0"/>
@@ -5237,35 +5238,35 @@
           <a:p>
             <a:pPr lvl="0"/>
             <a:r>
-              <a:rPr lang="zh-TW" altLang="en-US" smtClean="0"/>
+              <a:rPr lang="zh-TW" altLang="en-US"/>
               <a:t>編輯母片文字樣式</a:t>
             </a:r>
           </a:p>
           <a:p>
             <a:pPr lvl="1"/>
             <a:r>
-              <a:rPr lang="zh-TW" altLang="en-US" smtClean="0"/>
+              <a:rPr lang="zh-TW" altLang="en-US"/>
               <a:t>第二層</a:t>
             </a:r>
           </a:p>
           <a:p>
             <a:pPr lvl="2"/>
             <a:r>
-              <a:rPr lang="zh-TW" altLang="en-US" smtClean="0"/>
+              <a:rPr lang="zh-TW" altLang="en-US"/>
               <a:t>第三層</a:t>
             </a:r>
           </a:p>
           <a:p>
             <a:pPr lvl="3"/>
             <a:r>
-              <a:rPr lang="zh-TW" altLang="en-US" smtClean="0"/>
+              <a:rPr lang="zh-TW" altLang="en-US"/>
               <a:t>第四層</a:t>
             </a:r>
           </a:p>
           <a:p>
             <a:pPr lvl="4"/>
             <a:r>
-              <a:rPr lang="zh-TW" altLang="en-US" smtClean="0"/>
+              <a:rPr lang="zh-TW" altLang="en-US"/>
               <a:t>第五層</a:t>
             </a:r>
             <a:endParaRPr lang="en-US" dirty="0"/>
@@ -5307,7 +5308,7 @@
           <a:p>
             <a:fld id="{545D92F8-1C2D-43FC-B81E-3A9AD82E3EDF}" type="datetimeFigureOut">
               <a:rPr lang="zh-TW" altLang="en-US" smtClean="0"/>
-              <a:t>2020/6/6</a:t>
+              <a:t>2020/6/9</a:t>
             </a:fld>
             <a:endParaRPr lang="zh-TW" altLang="en-US"/>
           </a:p>
@@ -5847,7 +5848,7 @@
           <a:lstStyle/>
           <a:p>
             <a:r>
-              <a:rPr lang="en-US" altLang="zh-TW" dirty="0" err="1" smtClean="0"/>
+              <a:rPr lang="en-US" altLang="zh-TW" dirty="0" err="1"/>
               <a:t>git</a:t>
             </a:r>
             <a:endParaRPr lang="zh-TW" altLang="en-US" dirty="0"/>
@@ -5921,15 +5922,15 @@
           <a:lstStyle/>
           <a:p>
             <a:r>
-              <a:rPr lang="en-US" altLang="zh-TW" dirty="0" err="1" smtClean="0"/>
+              <a:rPr lang="en-US" altLang="zh-TW" dirty="0" err="1"/>
               <a:t>Git</a:t>
             </a:r>
             <a:r>
-              <a:rPr lang="en-US" altLang="zh-TW" dirty="0" smtClean="0"/>
+              <a:rPr lang="en-US" altLang="zh-TW" dirty="0"/>
               <a:t> install</a:t>
             </a:r>
             <a:br>
-              <a:rPr lang="en-US" altLang="zh-TW" dirty="0" smtClean="0"/>
+              <a:rPr lang="en-US" altLang="zh-TW" dirty="0"/>
             </a:br>
             <a:r>
               <a:rPr lang="en-US" altLang="zh-TW" sz="2000" b="1" dirty="0">
@@ -5964,57 +5965,50 @@
           <a:lstStyle/>
           <a:p>
             <a:r>
-              <a:rPr lang="en-US" altLang="zh-TW" dirty="0" smtClean="0"/>
+              <a:rPr lang="en-US" altLang="zh-TW" dirty="0"/>
               <a:t>1.</a:t>
             </a:r>
             <a:r>
-              <a:rPr lang="zh-TW" altLang="en-US" dirty="0" smtClean="0"/>
+              <a:rPr lang="zh-TW" altLang="en-US" dirty="0"/>
               <a:t>下載 安裝 </a:t>
             </a:r>
             <a:r>
               <a:rPr lang="en-US" altLang="zh-TW" dirty="0">
                 <a:hlinkClick r:id="rId3"/>
               </a:rPr>
-              <a:t>https://gitforwindows.org</a:t>
-            </a:r>
-            <a:r>
-              <a:rPr lang="en-US" altLang="zh-TW" dirty="0" smtClean="0">
-                <a:hlinkClick r:id="rId3"/>
-              </a:rPr>
-              <a:t>/</a:t>
-            </a:r>
-            <a:endParaRPr lang="en-US" altLang="zh-TW" dirty="0" smtClean="0"/>
-          </a:p>
-          <a:p>
-            <a:r>
-              <a:rPr lang="en-US" altLang="zh-TW" dirty="0" smtClean="0"/>
+              <a:t>https://gitforwindows.org/</a:t>
+            </a:r>
+            <a:endParaRPr lang="en-US" altLang="zh-TW" dirty="0"/>
+          </a:p>
+          <a:p>
+            <a:r>
+              <a:rPr lang="en-US" altLang="zh-TW" dirty="0"/>
               <a:t>2.</a:t>
             </a:r>
             <a:r>
-              <a:rPr lang="zh-TW" altLang="en-US" dirty="0" smtClean="0"/>
+              <a:rPr lang="zh-TW" altLang="en-US" dirty="0"/>
               <a:t> </a:t>
             </a:r>
             <a:r>
-              <a:rPr lang="en-US" altLang="zh-TW" dirty="0" err="1" smtClean="0"/>
+              <a:rPr lang="en-US" altLang="zh-TW" dirty="0" err="1"/>
               <a:t>cmd</a:t>
             </a:r>
             <a:r>
-              <a:rPr lang="en-US" altLang="zh-TW" dirty="0" smtClean="0"/>
+              <a:rPr lang="en-US" altLang="zh-TW" dirty="0"/>
               <a:t> </a:t>
             </a:r>
             <a:r>
-              <a:rPr lang="zh-TW" altLang="en-US" dirty="0" smtClean="0"/>
+              <a:rPr lang="zh-TW" altLang="en-US" dirty="0"/>
               <a:t>設定 帳號</a:t>
             </a:r>
             <a:r>
-              <a:rPr lang="en-US" altLang="zh-TW" dirty="0" smtClean="0"/>
+              <a:rPr lang="en-US" altLang="zh-TW" dirty="0"/>
               <a:t>.</a:t>
             </a:r>
             <a:r>
-              <a:rPr lang="zh-TW" altLang="en-US" dirty="0" smtClean="0"/>
+              <a:rPr lang="zh-TW" altLang="en-US" dirty="0"/>
               <a:t>信箱</a:t>
             </a:r>
-            <a:endParaRPr lang="zh-TW" altLang="en-US" dirty="0"/>
           </a:p>
         </p:txBody>
       </p:sp>
@@ -6074,6 +6068,119 @@
       </p:grpSpPr>
       <p:sp>
         <p:nvSpPr>
+          <p:cNvPr id="2" name="標題 1">
+            <a:extLst>
+              <a:ext uri="{FF2B5EF4-FFF2-40B4-BE49-F238E27FC236}">
+                <a16:creationId xmlns:a16="http://schemas.microsoft.com/office/drawing/2014/main" id="{A37C5EF8-8652-40D2-80A1-28C711BF0E2F}"/>
+              </a:ext>
+            </a:extLst>
+          </p:cNvPr>
+          <p:cNvSpPr>
+            <a:spLocks noGrp="1"/>
+          </p:cNvSpPr>
+          <p:nvPr>
+            <p:ph type="title"/>
+          </p:nvPr>
+        </p:nvSpPr>
+        <p:spPr/>
+        <p:txBody>
+          <a:bodyPr/>
+          <a:lstStyle/>
+          <a:p>
+            <a:endParaRPr lang="zh-TW" altLang="en-US"/>
+          </a:p>
+        </p:txBody>
+      </p:sp>
+      <p:sp>
+        <p:nvSpPr>
+          <p:cNvPr id="3" name="內容版面配置區 2">
+            <a:extLst>
+              <a:ext uri="{FF2B5EF4-FFF2-40B4-BE49-F238E27FC236}">
+                <a16:creationId xmlns:a16="http://schemas.microsoft.com/office/drawing/2014/main" id="{65D263F8-11C1-4500-8375-DAA005CAF489}"/>
+              </a:ext>
+            </a:extLst>
+          </p:cNvPr>
+          <p:cNvSpPr>
+            <a:spLocks noGrp="1"/>
+          </p:cNvSpPr>
+          <p:nvPr>
+            <p:ph idx="1"/>
+          </p:nvPr>
+        </p:nvSpPr>
+        <p:spPr/>
+        <p:txBody>
+          <a:bodyPr/>
+          <a:lstStyle/>
+          <a:p>
+            <a:r>
+              <a:rPr lang="en-US" altLang="zh-TW" dirty="0"/>
+              <a:t>Git </a:t>
+            </a:r>
+            <a:r>
+              <a:rPr lang="en-US" altLang="zh-TW" dirty="0" err="1"/>
+              <a:t>init</a:t>
+            </a:r>
+            <a:endParaRPr lang="en-US" altLang="zh-TW" dirty="0"/>
+          </a:p>
+          <a:p>
+            <a:r>
+              <a:rPr lang="en-US" altLang="zh-TW" dirty="0"/>
+              <a:t>Git clone “”</a:t>
+            </a:r>
+          </a:p>
+          <a:p>
+            <a:r>
+              <a:rPr lang="en-US" altLang="zh-TW" dirty="0"/>
+              <a:t>Git add .</a:t>
+            </a:r>
+          </a:p>
+          <a:p>
+            <a:r>
+              <a:rPr lang="en-US" altLang="zh-TW" dirty="0"/>
+              <a:t>Git commit –m “”</a:t>
+            </a:r>
+          </a:p>
+          <a:p>
+            <a:r>
+              <a:rPr lang="en-US" altLang="zh-TW" dirty="0"/>
+              <a:t>Git push</a:t>
+            </a:r>
+            <a:endParaRPr lang="zh-TW" altLang="en-US" dirty="0"/>
+          </a:p>
+        </p:txBody>
+      </p:sp>
+    </p:spTree>
+    <p:extLst>
+      <p:ext uri="{BB962C8B-B14F-4D97-AF65-F5344CB8AC3E}">
+        <p14:creationId xmlns:p14="http://schemas.microsoft.com/office/powerpoint/2010/main" val="665391480"/>
+      </p:ext>
+    </p:extLst>
+  </p:cSld>
+  <p:clrMapOvr>
+    <a:masterClrMapping/>
+  </p:clrMapOvr>
+</p:sld>
+</file>
+
+<file path=ppt/slides/slide4.xml><?xml version="1.0" encoding="utf-8"?>
+<p:sld xmlns:a="http://schemas.openxmlformats.org/drawingml/2006/main" xmlns:r="http://schemas.openxmlformats.org/officeDocument/2006/relationships" xmlns:p="http://schemas.openxmlformats.org/presentationml/2006/main">
+  <p:cSld>
+    <p:spTree>
+      <p:nvGrpSpPr>
+        <p:cNvPr id="1" name=""/>
+        <p:cNvGrpSpPr/>
+        <p:nvPr/>
+      </p:nvGrpSpPr>
+      <p:grpSpPr>
+        <a:xfrm>
+          <a:off x="0" y="0"/>
+          <a:ext cx="0" cy="0"/>
+          <a:chOff x="0" y="0"/>
+          <a:chExt cx="0" cy="0"/>
+        </a:xfrm>
+      </p:grpSpPr>
+      <p:sp>
+        <p:nvSpPr>
           <p:cNvPr id="2" name="標題 1"/>
           <p:cNvSpPr>
             <a:spLocks noGrp="1"/>
@@ -6087,19 +6194,15 @@
           <a:bodyPr/>
           <a:lstStyle/>
           <a:p>
-            <a:r>
-              <a:rPr lang="en-US" altLang="zh-TW" dirty="0" smtClean="0"/>
-              <a:t/>
-            </a:r>
             <a:br>
-              <a:rPr lang="en-US" altLang="zh-TW" dirty="0" smtClean="0"/>
+              <a:rPr lang="en-US" altLang="zh-TW" dirty="0"/>
             </a:br>
             <a:r>
-              <a:rPr lang="en-US" altLang="zh-TW" dirty="0" smtClean="0"/>
+              <a:rPr lang="en-US" altLang="zh-TW" dirty="0"/>
               <a:t>clear </a:t>
             </a:r>
             <a:r>
-              <a:rPr lang="en-US" altLang="zh-TW" dirty="0" err="1" smtClean="0"/>
+              <a:rPr lang="en-US" altLang="zh-TW" dirty="0" err="1"/>
               <a:t>pwd</a:t>
             </a:r>
             <a:endParaRPr lang="zh-TW" altLang="en-US" dirty="0"/>
@@ -6134,11 +6237,7 @@
             </a:r>
             <a:r>
               <a:rPr lang="en-US" altLang="zh-TW" dirty="0"/>
-              <a:t> </a:t>
-            </a:r>
-            <a:r>
-              <a:rPr lang="en-US" altLang="zh-TW" dirty="0" smtClean="0"/>
-              <a:t>status</a:t>
+              <a:t> status</a:t>
             </a:r>
           </a:p>
           <a:p>
@@ -6148,11 +6247,7 @@
             </a:r>
             <a:r>
               <a:rPr lang="en-US" altLang="zh-TW" dirty="0"/>
-              <a:t> </a:t>
-            </a:r>
-            <a:r>
-              <a:rPr lang="en-US" altLang="zh-TW" dirty="0" smtClean="0"/>
-              <a:t>add</a:t>
+              <a:t> add</a:t>
             </a:r>
           </a:p>
           <a:p>
@@ -6162,11 +6257,7 @@
             </a:r>
             <a:r>
               <a:rPr lang="en-US" altLang="zh-TW" dirty="0"/>
-              <a:t> </a:t>
-            </a:r>
-            <a:r>
-              <a:rPr lang="en-US" altLang="zh-TW" dirty="0" smtClean="0"/>
-              <a:t>diff</a:t>
+              <a:t> diff</a:t>
             </a:r>
           </a:p>
           <a:p>
@@ -6184,11 +6275,7 @@
             </a:r>
             <a:r>
               <a:rPr lang="en-US" altLang="zh-TW" dirty="0"/>
-              <a:t> </a:t>
-            </a:r>
-            <a:r>
-              <a:rPr lang="en-US" altLang="zh-TW" dirty="0" smtClean="0"/>
-              <a:t>hello.py“</a:t>
+              <a:t> hello.py“</a:t>
             </a:r>
           </a:p>
           <a:p>
@@ -6205,7 +6292,7 @@
               <a:t>網址</a:t>
             </a:r>
             <a:r>
-              <a:rPr lang="en-US" altLang="zh-TW" dirty="0" smtClean="0"/>
+              <a:rPr lang="en-US" altLang="zh-TW" dirty="0"/>
               <a:t>&gt;</a:t>
             </a:r>
           </a:p>
@@ -6216,45 +6303,37 @@
             </a:r>
             <a:r>
               <a:rPr lang="en-US" altLang="zh-TW" dirty="0"/>
-              <a:t> push -u origin </a:t>
-            </a:r>
-            <a:r>
-              <a:rPr lang="en-US" altLang="zh-TW" dirty="0" smtClean="0"/>
-              <a:t>master</a:t>
-            </a:r>
-          </a:p>
-          <a:p>
-            <a:r>
-              <a:rPr lang="en-US" altLang="zh-TW" dirty="0" err="1" smtClean="0"/>
+              <a:t> push -u origin master</a:t>
+            </a:r>
+          </a:p>
+          <a:p>
+            <a:r>
+              <a:rPr lang="en-US" altLang="zh-TW" dirty="0" err="1"/>
               <a:t>Git</a:t>
             </a:r>
             <a:r>
-              <a:rPr lang="en-US" altLang="zh-TW" dirty="0" smtClean="0"/>
+              <a:rPr lang="en-US" altLang="zh-TW" dirty="0"/>
               <a:t> log</a:t>
             </a:r>
           </a:p>
           <a:p>
             <a:r>
-              <a:rPr lang="en-US" altLang="zh-TW" dirty="0" err="1" smtClean="0"/>
+              <a:rPr lang="en-US" altLang="zh-TW" dirty="0" err="1"/>
               <a:t>Git</a:t>
             </a:r>
             <a:r>
-              <a:rPr lang="en-US" altLang="zh-TW" dirty="0" smtClean="0"/>
+              <a:rPr lang="en-US" altLang="zh-TW" dirty="0"/>
               <a:t> push</a:t>
             </a:r>
           </a:p>
           <a:p>
             <a:r>
-              <a:rPr lang="en-US" altLang="zh-TW" dirty="0" err="1" smtClean="0"/>
+              <a:rPr lang="en-US" altLang="zh-TW" dirty="0" err="1"/>
               <a:t>Git</a:t>
             </a:r>
             <a:r>
-              <a:rPr lang="en-US" altLang="zh-TW" dirty="0" smtClean="0"/>
-              <a:t> </a:t>
-            </a:r>
-            <a:r>
-              <a:rPr lang="en-US" altLang="zh-TW" dirty="0" smtClean="0"/>
-              <a:t>pull</a:t>
+              <a:rPr lang="en-US" altLang="zh-TW" dirty="0"/>
+              <a:t> pull</a:t>
             </a:r>
           </a:p>
           <a:p>

--- a/git.pptx
+++ b/git.pptx
@@ -6227,7 +6227,7 @@
         </p:spPr>
         <p:txBody>
           <a:bodyPr>
-            <a:normAutofit/>
+            <a:normAutofit lnSpcReduction="10000"/>
           </a:bodyPr>
           <a:lstStyle/>
           <a:p>
@@ -6338,16 +6338,23 @@
           </a:p>
           <a:p>
             <a:r>
-              <a:rPr lang="en-US" altLang="zh-TW" dirty="0" err="1"/>
-              <a:t>git</a:t>
-            </a:r>
-            <a:r>
               <a:rPr lang="en-US" altLang="zh-TW" dirty="0"/>
-              <a:t> clone git://github.com/schacon/grit.git </a:t>
+              <a:t>git clone git://github.com/schacon/grit.git </a:t>
             </a:r>
             <a:r>
               <a:rPr lang="en-US" altLang="zh-TW" dirty="0" err="1"/>
               <a:t>mygrit</a:t>
+            </a:r>
+            <a:endParaRPr lang="en-US" altLang="zh-TW" dirty="0"/>
+          </a:p>
+          <a:p>
+            <a:r>
+              <a:rPr lang="en-US" altLang="zh-TW" dirty="0"/>
+              <a:t>rm -f .git/</a:t>
+            </a:r>
+            <a:r>
+              <a:rPr lang="en-US" altLang="zh-TW" dirty="0" err="1"/>
+              <a:t>index.lock</a:t>
             </a:r>
             <a:endParaRPr lang="zh-TW" altLang="en-US" dirty="0"/>
           </a:p>
